--- a/resources/pptx_templates/template.pptx
+++ b/resources/pptx_templates/template.pptx
@@ -144,7 +144,7 @@
         </p:nvSpPr>
         <p:spPr>
           <a:xfrm>
-            <a:off x="4512879" y="1122363"/>
+            <a:off x="3623879" y="1122363"/>
             <a:ext cx="9144000" cy="2387600"/>
           </a:xfrm>
         </p:spPr>
@@ -181,7 +181,7 @@
         </p:nvSpPr>
         <p:spPr>
           <a:xfrm>
-            <a:off x="4512879" y="3602038"/>
+            <a:off x="3623879" y="3602038"/>
             <a:ext cx="9144000" cy="1655762"/>
           </a:xfrm>
         </p:spPr>
@@ -256,7 +256,7 @@
           <a:p>
             <a:fld id="{926BB3C4-6749-4ECE-A789-22F963AF3CC3}" type="datetimeFigureOut">
               <a:rPr lang="en-US" smtClean="0"/>
-              <a:t>8/30/2025</a:t>
+              <a:t>8/31/2025</a:t>
             </a:fld>
             <a:endParaRPr lang="en-US"/>
           </a:p>
@@ -454,7 +454,7 @@
           <a:p>
             <a:fld id="{926BB3C4-6749-4ECE-A789-22F963AF3CC3}" type="datetimeFigureOut">
               <a:rPr lang="en-US" smtClean="0"/>
-              <a:t>8/30/2025</a:t>
+              <a:t>8/31/2025</a:t>
             </a:fld>
             <a:endParaRPr lang="en-US"/>
           </a:p>
@@ -662,7 +662,7 @@
           <a:p>
             <a:fld id="{926BB3C4-6749-4ECE-A789-22F963AF3CC3}" type="datetimeFigureOut">
               <a:rPr lang="en-US" smtClean="0"/>
-              <a:t>8/30/2025</a:t>
+              <a:t>8/31/2025</a:t>
             </a:fld>
             <a:endParaRPr lang="en-US"/>
           </a:p>
@@ -860,7 +860,7 @@
           <a:p>
             <a:fld id="{926BB3C4-6749-4ECE-A789-22F963AF3CC3}" type="datetimeFigureOut">
               <a:rPr lang="en-US" smtClean="0"/>
-              <a:t>8/30/2025</a:t>
+              <a:t>8/31/2025</a:t>
             </a:fld>
             <a:endParaRPr lang="en-US"/>
           </a:p>
@@ -1135,7 +1135,7 @@
           <a:p>
             <a:fld id="{926BB3C4-6749-4ECE-A789-22F963AF3CC3}" type="datetimeFigureOut">
               <a:rPr lang="en-US" smtClean="0"/>
-              <a:t>8/30/2025</a:t>
+              <a:t>8/31/2025</a:t>
             </a:fld>
             <a:endParaRPr lang="en-US"/>
           </a:p>
@@ -1400,7 +1400,7 @@
           <a:p>
             <a:fld id="{926BB3C4-6749-4ECE-A789-22F963AF3CC3}" type="datetimeFigureOut">
               <a:rPr lang="en-US" smtClean="0"/>
-              <a:t>8/30/2025</a:t>
+              <a:t>8/31/2025</a:t>
             </a:fld>
             <a:endParaRPr lang="en-US"/>
           </a:p>
@@ -1812,7 +1812,7 @@
           <a:p>
             <a:fld id="{926BB3C4-6749-4ECE-A789-22F963AF3CC3}" type="datetimeFigureOut">
               <a:rPr lang="en-US" smtClean="0"/>
-              <a:t>8/30/2025</a:t>
+              <a:t>8/31/2025</a:t>
             </a:fld>
             <a:endParaRPr lang="en-US"/>
           </a:p>
@@ -1953,7 +1953,7 @@
           <a:p>
             <a:fld id="{926BB3C4-6749-4ECE-A789-22F963AF3CC3}" type="datetimeFigureOut">
               <a:rPr lang="en-US" smtClean="0"/>
-              <a:t>8/30/2025</a:t>
+              <a:t>8/31/2025</a:t>
             </a:fld>
             <a:endParaRPr lang="en-US"/>
           </a:p>
@@ -2066,7 +2066,7 @@
           <a:p>
             <a:fld id="{926BB3C4-6749-4ECE-A789-22F963AF3CC3}" type="datetimeFigureOut">
               <a:rPr lang="en-US" smtClean="0"/>
-              <a:t>8/30/2025</a:t>
+              <a:t>8/31/2025</a:t>
             </a:fld>
             <a:endParaRPr lang="en-US"/>
           </a:p>
@@ -2377,7 +2377,7 @@
           <a:p>
             <a:fld id="{926BB3C4-6749-4ECE-A789-22F963AF3CC3}" type="datetimeFigureOut">
               <a:rPr lang="en-US" smtClean="0"/>
-              <a:t>8/30/2025</a:t>
+              <a:t>8/31/2025</a:t>
             </a:fld>
             <a:endParaRPr lang="en-US"/>
           </a:p>
@@ -2665,7 +2665,7 @@
           <a:p>
             <a:fld id="{926BB3C4-6749-4ECE-A789-22F963AF3CC3}" type="datetimeFigureOut">
               <a:rPr lang="en-US" smtClean="0"/>
-              <a:t>8/30/2025</a:t>
+              <a:t>8/31/2025</a:t>
             </a:fld>
             <a:endParaRPr lang="en-US"/>
           </a:p>
@@ -2906,7 +2906,7 @@
           <a:p>
             <a:fld id="{926BB3C4-6749-4ECE-A789-22F963AF3CC3}" type="datetimeFigureOut">
               <a:rPr lang="en-US" smtClean="0"/>
-              <a:t>8/30/2025</a:t>
+              <a:t>8/31/2025</a:t>
             </a:fld>
             <a:endParaRPr lang="en-US"/>
           </a:p>

--- a/resources/pptx_templates/template.pptx
+++ b/resources/pptx_templates/template.pptx
@@ -313,6 +313,44 @@
               <a:t>‹#›</a:t>
             </a:fld>
             <a:endParaRPr lang="en-US"/>
+          </a:p>
+        </p:txBody>
+      </p:sp>
+      <p:sp>
+        <p:nvSpPr>
+          <p:cNvPr id="7" name="TextBox 6">
+            <a:extLst>
+              <a:ext uri="{FF2B5EF4-FFF2-40B4-BE49-F238E27FC236}">
+                <a16:creationId xmlns:a16="http://schemas.microsoft.com/office/drawing/2014/main" id="{5D0D0C26-EF80-C8D7-3CB9-239056FF6618}"/>
+              </a:ext>
+            </a:extLst>
+          </p:cNvPr>
+          <p:cNvSpPr txBox="1"/>
+          <p:nvPr userDrawn="1"/>
+        </p:nvSpPr>
+        <p:spPr>
+          <a:xfrm>
+            <a:off x="7828305" y="6488668"/>
+            <a:ext cx="4363695" cy="369332"/>
+          </a:xfrm>
+          <a:prstGeom prst="rect">
+            <a:avLst/>
+          </a:prstGeom>
+          <a:noFill/>
+        </p:spPr>
+        <p:txBody>
+          <a:bodyPr wrap="none" rtlCol="0">
+            <a:spAutoFit/>
+          </a:bodyPr>
+          <a:lstStyle/>
+          <a:p>
+            <a:pPr algn="r"/>
+            <a:r>
+              <a:rPr lang="en-US" sz="1800" dirty="0">
+                <a:latin typeface="Consolas" panose="020B0609020204030204" pitchFamily="49" charset="0"/>
+              </a:rPr>
+              <a:t>https://jvdict.streamlit.app/v?w=</a:t>
+            </a:r>
           </a:p>
         </p:txBody>
       </p:sp>

--- a/resources/pptx_templates/template.pptx
+++ b/resources/pptx_templates/template.pptx
@@ -313,44 +313,6 @@
               <a:t>‹#›</a:t>
             </a:fld>
             <a:endParaRPr lang="en-US"/>
-          </a:p>
-        </p:txBody>
-      </p:sp>
-      <p:sp>
-        <p:nvSpPr>
-          <p:cNvPr id="7" name="TextBox 6">
-            <a:extLst>
-              <a:ext uri="{FF2B5EF4-FFF2-40B4-BE49-F238E27FC236}">
-                <a16:creationId xmlns:a16="http://schemas.microsoft.com/office/drawing/2014/main" id="{5D0D0C26-EF80-C8D7-3CB9-239056FF6618}"/>
-              </a:ext>
-            </a:extLst>
-          </p:cNvPr>
-          <p:cNvSpPr txBox="1"/>
-          <p:nvPr userDrawn="1"/>
-        </p:nvSpPr>
-        <p:spPr>
-          <a:xfrm>
-            <a:off x="7828305" y="6488668"/>
-            <a:ext cx="4363695" cy="369332"/>
-          </a:xfrm>
-          <a:prstGeom prst="rect">
-            <a:avLst/>
-          </a:prstGeom>
-          <a:noFill/>
-        </p:spPr>
-        <p:txBody>
-          <a:bodyPr wrap="none" rtlCol="0">
-            <a:spAutoFit/>
-          </a:bodyPr>
-          <a:lstStyle/>
-          <a:p>
-            <a:pPr algn="r"/>
-            <a:r>
-              <a:rPr lang="en-US" sz="1800" dirty="0">
-                <a:latin typeface="Consolas" panose="020B0609020204030204" pitchFamily="49" charset="0"/>
-              </a:rPr>
-              <a:t>https://jvdict.streamlit.app/v?w=</a:t>
-            </a:r>
           </a:p>
         </p:txBody>
       </p:sp>
